--- a/poster_undergrad_expo_48x36_eecs.pptx
+++ b/poster_undergrad_expo_48x36_eecs.pptx
@@ -255,7 +255,7 @@
             <a:fld id="{9CF59EBC-EC05-6B4D-B166-DDFA6A1EDCB6}" type="datetimeFigureOut">
               <a:rPr lang="en-US" smtClean="0"/>
               <a:pPr/>
-              <a:t>1/18/2019</a:t>
+              <a:t>1/21/2019</a:t>
             </a:fld>
             <a:endParaRPr lang="en-US" dirty="0"/>
           </a:p>
@@ -2039,7 +2039,7 @@
         <p:spPr>
           <a:xfrm>
             <a:off x="12292014" y="24061092"/>
-            <a:ext cx="9418320" cy="5428474"/>
+            <a:ext cx="9418320" cy="5864491"/>
           </a:xfrm>
           <a:prstGeom prst="rect">
             <a:avLst/>
@@ -2265,7 +2265,7 @@
               <a:rPr lang="en-US" dirty="0">
                 <a:latin typeface="Verdana Regular" charset="0"/>
               </a:rPr>
-              <a:t>This project set out with a goal to educate and inspire viewers of all backgrounds. </a:t>
+              <a:t>This project set out with a goal to educate and inspire viewers of all backgrounds. This has been done by (doing a thing).</a:t>
             </a:r>
           </a:p>
         </p:txBody>
@@ -2463,7 +2463,7 @@
                 </a:solidFill>
                 <a:latin typeface="Verdana Regular" charset="0"/>
               </a:rPr>
-              <a:t>Title: lorem ipsum</a:t>
+              <a:t>Blah</a:t>
             </a:r>
           </a:p>
         </p:txBody>
@@ -2890,7 +2890,7 @@
         <p:spPr>
           <a:xfrm>
             <a:off x="1964266" y="6422030"/>
-            <a:ext cx="8126412" cy="6864764"/>
+            <a:ext cx="8126412" cy="15072139"/>
           </a:xfrm>
           <a:prstGeom prst="rect">
             <a:avLst/>
@@ -3126,7 +3126,7 @@
                 <a:ea typeface="Verdana" charset="0"/>
                 <a:cs typeface="Verdana" charset="0"/>
               </a:rPr>
-              <a:t>109 hours, 42 minutes after launch, Neil Armstrong took the first steps on the Moon, with Buzz aldrin following 20 minutes after.</a:t>
+              <a:t>Above the Moon, the command and service module, Columbia, separated from the lunar module, Eagle.</a:t>
             </a:r>
           </a:p>
           <a:p>
@@ -3144,7 +3144,7 @@
                 <a:ea typeface="Verdana" charset="0"/>
                 <a:cs typeface="Verdana" charset="0"/>
               </a:rPr>
-              <a:t>During the Moon walk, the astronauts ventured up to 300 feet from the lunar lander during their 2 ½ hour Moon walk</a:t>
+              <a:t>The Eagle then descended to the surface of the Moon in the “Sea of Tranquility”, about 4 miles past the expected touch-down area. </a:t>
             </a:r>
           </a:p>
           <a:p>
@@ -3153,14 +3153,107 @@
                 <a:spcPts val="2600"/>
               </a:spcAft>
             </a:pPr>
-            <a:endParaRPr lang="en-US" dirty="0">
-              <a:solidFill>
-                <a:schemeClr val="bg1"/>
-              </a:solidFill>
-              <a:latin typeface="Verdana" charset="0"/>
-              <a:ea typeface="Verdana" charset="0"/>
-              <a:cs typeface="Verdana" charset="0"/>
-            </a:endParaRPr>
+            <a:r>
+              <a:rPr lang="en-US" dirty="0">
+                <a:solidFill>
+                  <a:schemeClr val="bg1"/>
+                </a:solidFill>
+                <a:latin typeface="Verdana" charset="0"/>
+                <a:ea typeface="Verdana" charset="0"/>
+                <a:cs typeface="Verdana" charset="0"/>
+              </a:rPr>
+              <a:t>109 hours, 42 minutes after launch, Neil Armstrong took the first steps on the Moon, with Buzz aldrin following 20 minutes after.</a:t>
+            </a:r>
+          </a:p>
+          <a:p>
+            <a:pPr>
+              <a:spcAft>
+                <a:spcPts val="2600"/>
+              </a:spcAft>
+            </a:pPr>
+            <a:r>
+              <a:rPr lang="en-US" dirty="0">
+                <a:solidFill>
+                  <a:schemeClr val="bg1"/>
+                </a:solidFill>
+                <a:latin typeface="Verdana" charset="0"/>
+                <a:ea typeface="Verdana" charset="0"/>
+                <a:cs typeface="Verdana" charset="0"/>
+              </a:rPr>
+              <a:t>During the Moon walk, the astronauts ventured up to 300 feet from the lunar lander during their 2 ½ hour Moon walk</a:t>
+            </a:r>
+          </a:p>
+          <a:p>
+            <a:pPr>
+              <a:spcAft>
+                <a:spcPts val="2600"/>
+              </a:spcAft>
+            </a:pPr>
+            <a:r>
+              <a:rPr lang="en-US" dirty="0">
+                <a:solidFill>
+                  <a:schemeClr val="bg1"/>
+                </a:solidFill>
+                <a:latin typeface="Verdana" charset="0"/>
+                <a:ea typeface="Verdana" charset="0"/>
+                <a:cs typeface="Verdana" charset="0"/>
+              </a:rPr>
+              <a:t>Many samples and pictures were taken, as well as leaving messages from Earth </a:t>
+            </a:r>
+          </a:p>
+          <a:p>
+            <a:pPr>
+              <a:spcAft>
+                <a:spcPts val="2600"/>
+              </a:spcAft>
+            </a:pPr>
+            <a:r>
+              <a:rPr lang="en-US" dirty="0">
+                <a:solidFill>
+                  <a:schemeClr val="bg1"/>
+                </a:solidFill>
+                <a:latin typeface="Verdana" charset="0"/>
+                <a:ea typeface="Verdana" charset="0"/>
+                <a:cs typeface="Verdana" charset="0"/>
+              </a:rPr>
+              <a:t>Neil and Buzz then used Eagle to join back with Columbia to start the journey back to Earth</a:t>
+            </a:r>
+          </a:p>
+          <a:p>
+            <a:pPr>
+              <a:spcAft>
+                <a:spcPts val="2600"/>
+              </a:spcAft>
+            </a:pPr>
+            <a:r>
+              <a:rPr lang="en-US" dirty="0">
+                <a:solidFill>
+                  <a:schemeClr val="bg1"/>
+                </a:solidFill>
+                <a:latin typeface="Verdana" charset="0"/>
+                <a:ea typeface="Verdana" charset="0"/>
+                <a:cs typeface="Verdana" charset="0"/>
+              </a:rPr>
+              <a:t>195 hours, 18 minutes, and 35 seconds after the initial launch, Apollo 11 splashed into the Pacific Ocean</a:t>
+            </a:r>
+          </a:p>
+          <a:p>
+            <a:pPr>
+              <a:spcAft>
+                <a:spcPts val="2600"/>
+              </a:spcAft>
+            </a:pPr>
+            <a:r>
+              <a:rPr lang="en-US" dirty="0">
+                <a:solidFill>
+                  <a:schemeClr val="bg1"/>
+                </a:solidFill>
+                <a:latin typeface="Verdana" charset="0"/>
+                <a:ea typeface="Verdana" charset="0"/>
+                <a:cs typeface="Verdana" charset="0"/>
+              </a:rPr>
+              <a:t>Source: www.nasa.gov</a:t>
+            </a:r>
           </a:p>
           <a:p>
             <a:pPr>
@@ -3235,6 +3328,7 @@
             </a:lvl1pPr>
           </a:lstStyle>
           <a:p>
+            <a:pPr algn="ctr"/>
             <a:r>
               <a:rPr lang="en-US" spc="100" dirty="0">
                 <a:solidFill>
@@ -3282,7 +3376,7 @@
         <p:spPr>
           <a:xfrm>
             <a:off x="12292012" y="5503233"/>
-            <a:ext cx="19544199" cy="6080503"/>
+            <a:ext cx="19544199" cy="3661549"/>
           </a:xfrm>
           <a:prstGeom prst="rect">
             <a:avLst/>
@@ -3455,6 +3549,7 @@
             </a:lvl9pPr>
           </a:lstStyle>
           <a:p>
+            <a:pPr algn="ctr"/>
             <a:r>
               <a:rPr lang="en-US" dirty="0">
                 <a:latin typeface="Georgia" charset="0"/>
@@ -3477,7 +3572,7 @@
                 <a:ea typeface="Georgia" charset="0"/>
                 <a:cs typeface="Georgia" charset="0"/>
               </a:rPr>
-              <a:t> anniversary of when Neil Armstrong and Buzz Aldrin took the first steps on the Moon. </a:t>
+              <a:t> anniversary of the Apollo 11 space mission, when Neil Armstrong and Buzz Aldrin took the first steps on the Moon </a:t>
             </a:r>
           </a:p>
         </p:txBody>
@@ -3900,6 +3995,9 @@
           </a:p>
           <a:p>
             <a:pPr>
+              <a:lnSpc>
+                <a:spcPct val="100000"/>
+              </a:lnSpc>
               <a:spcAft>
                 <a:spcPts val="2600"/>
               </a:spcAft>
@@ -3915,6 +4013,9 @@
           </a:p>
           <a:p>
             <a:pPr>
+              <a:lnSpc>
+                <a:spcPct val="100000"/>
+              </a:lnSpc>
               <a:spcAft>
                 <a:spcPts val="2600"/>
               </a:spcAft>
@@ -3930,6 +4031,9 @@
           </a:p>
           <a:p>
             <a:pPr>
+              <a:lnSpc>
+                <a:spcPct val="100000"/>
+              </a:lnSpc>
               <a:spcAft>
                 <a:spcPts val="2600"/>
               </a:spcAft>
@@ -3945,6 +4049,9 @@
           </a:p>
           <a:p>
             <a:pPr>
+              <a:lnSpc>
+                <a:spcPct val="100000"/>
+              </a:lnSpc>
               <a:spcAft>
                 <a:spcPts val="2600"/>
               </a:spcAft>
@@ -3960,6 +4067,9 @@
           </a:p>
           <a:p>
             <a:pPr>
+              <a:lnSpc>
+                <a:spcPct val="100000"/>
+              </a:lnSpc>
               <a:spcAft>
                 <a:spcPts val="2600"/>
               </a:spcAft>
@@ -3975,6 +4085,9 @@
           </a:p>
           <a:p>
             <a:pPr>
+              <a:lnSpc>
+                <a:spcPct val="100000"/>
+              </a:lnSpc>
               <a:spcAft>
                 <a:spcPts val="2600"/>
               </a:spcAft>
@@ -3985,7 +4098,7 @@
               <a:rPr lang="en-US" dirty="0">
                 <a:latin typeface="Verdana Regular" charset="0"/>
               </a:rPr>
-              <a:t>Bump-mapping</a:t>
+              <a:t>Bump-mapping?</a:t>
             </a:r>
           </a:p>
           <a:p>
@@ -4310,6 +4423,126 @@
           </a:extLst>
         </p:spPr>
       </p:pic>
+      <p:sp>
+        <p:nvSpPr>
+          <p:cNvPr id="2" name="TextBox 1">
+            <a:extLst>
+              <a:ext uri="{FF2B5EF4-FFF2-40B4-BE49-F238E27FC236}">
+                <a16:creationId xmlns:a16="http://schemas.microsoft.com/office/drawing/2014/main" id="{BF606B4E-B72E-4F8E-A979-B2B6C6D59795}"/>
+              </a:ext>
+            </a:extLst>
+          </p:cNvPr>
+          <p:cNvSpPr txBox="1"/>
+          <p:nvPr/>
+        </p:nvSpPr>
+        <p:spPr>
+          <a:xfrm>
+            <a:off x="12926290" y="10390909"/>
+            <a:ext cx="6899564" cy="1938992"/>
+          </a:xfrm>
+          <a:prstGeom prst="rect">
+            <a:avLst/>
+          </a:prstGeom>
+          <a:noFill/>
+        </p:spPr>
+        <p:txBody>
+          <a:bodyPr wrap="square" rtlCol="0">
+            <a:spAutoFit/>
+          </a:bodyPr>
+          <a:lstStyle/>
+          <a:p>
+            <a:pPr algn="ctr"/>
+            <a:r>
+              <a:rPr lang="en-US" sz="6000" dirty="0">
+                <a:solidFill>
+                  <a:schemeClr val="bg1"/>
+                </a:solidFill>
+              </a:rPr>
+              <a:t>Will be screenshot of animation</a:t>
+            </a:r>
+          </a:p>
+        </p:txBody>
+      </p:sp>
+      <p:sp>
+        <p:nvSpPr>
+          <p:cNvPr id="3" name="TextBox 2">
+            <a:extLst>
+              <a:ext uri="{FF2B5EF4-FFF2-40B4-BE49-F238E27FC236}">
+                <a16:creationId xmlns:a16="http://schemas.microsoft.com/office/drawing/2014/main" id="{437D14F4-F6DC-407E-8036-A63AF2F78C3A}"/>
+              </a:ext>
+            </a:extLst>
+          </p:cNvPr>
+          <p:cNvSpPr txBox="1"/>
+          <p:nvPr/>
+        </p:nvSpPr>
+        <p:spPr>
+          <a:xfrm flipH="1">
+            <a:off x="731519" y="24905491"/>
+            <a:ext cx="10274475" cy="1107996"/>
+          </a:xfrm>
+          <a:prstGeom prst="rect">
+            <a:avLst/>
+          </a:prstGeom>
+          <a:noFill/>
+        </p:spPr>
+        <p:txBody>
+          <a:bodyPr wrap="square" rtlCol="0">
+            <a:spAutoFit/>
+          </a:bodyPr>
+          <a:lstStyle/>
+          <a:p>
+            <a:pPr algn="ctr"/>
+            <a:r>
+              <a:rPr lang="en-US" sz="6600" dirty="0">
+                <a:solidFill>
+                  <a:schemeClr val="bg1"/>
+                </a:solidFill>
+              </a:rPr>
+              <a:t>Flight path (From animation)</a:t>
+            </a:r>
+          </a:p>
+        </p:txBody>
+      </p:sp>
+      <p:sp>
+        <p:nvSpPr>
+          <p:cNvPr id="4" name="TextBox 3">
+            <a:extLst>
+              <a:ext uri="{FF2B5EF4-FFF2-40B4-BE49-F238E27FC236}">
+                <a16:creationId xmlns:a16="http://schemas.microsoft.com/office/drawing/2014/main" id="{6B868B03-678F-4ADA-8BBC-B5AEB8A63515}"/>
+              </a:ext>
+            </a:extLst>
+          </p:cNvPr>
+          <p:cNvSpPr txBox="1"/>
+          <p:nvPr/>
+        </p:nvSpPr>
+        <p:spPr>
+          <a:xfrm>
+            <a:off x="33600565" y="21944298"/>
+            <a:ext cx="4675909" cy="3323987"/>
+          </a:xfrm>
+          <a:prstGeom prst="rect">
+            <a:avLst/>
+          </a:prstGeom>
+          <a:noFill/>
+        </p:spPr>
+        <p:txBody>
+          <a:bodyPr wrap="square" rtlCol="0">
+            <a:spAutoFit/>
+          </a:bodyPr>
+          <a:lstStyle/>
+          <a:p>
+            <a:pPr algn="ctr"/>
+            <a:r>
+              <a:rPr lang="en-US" dirty="0">
+                <a:solidFill>
+                  <a:schemeClr val="bg1"/>
+                </a:solidFill>
+              </a:rPr>
+              <a:t>Maybe our team posed like this</a:t>
+            </a:r>
+          </a:p>
+        </p:txBody>
+      </p:sp>
     </p:spTree>
     <p:extLst>
       <p:ext uri="{BB962C8B-B14F-4D97-AF65-F5344CB8AC3E}">

--- a/poster_undergrad_expo_48x36_eecs.pptx
+++ b/poster_undergrad_expo_48x36_eecs.pptx
@@ -255,7 +255,7 @@
             <a:fld id="{9CF59EBC-EC05-6B4D-B166-DDFA6A1EDCB6}" type="datetimeFigureOut">
               <a:rPr lang="en-US" smtClean="0"/>
               <a:pPr/>
-              <a:t>1/21/2019</a:t>
+              <a:t>1/22/2019</a:t>
             </a:fld>
             <a:endParaRPr lang="en-US" dirty="0"/>
           </a:p>
@@ -2463,7 +2463,7 @@
                 </a:solidFill>
                 <a:latin typeface="Verdana Regular" charset="0"/>
               </a:rPr>
-              <a:t>Blah</a:t>
+              <a:t>Video Sources</a:t>
             </a:r>
           </a:p>
         </p:txBody>
@@ -2479,7 +2479,7 @@
         <p:spPr>
           <a:xfrm>
             <a:off x="22463903" y="24061092"/>
-            <a:ext cx="9418320" cy="401457"/>
+            <a:ext cx="9418320" cy="3248390"/>
           </a:xfrm>
           <a:prstGeom prst="rect">
             <a:avLst/>
@@ -2667,17 +2667,56 @@
               <a:rPr lang="en-US" dirty="0">
                 <a:latin typeface="Verdana Regular" charset="0"/>
               </a:rPr>
-              <a:t>Bullet. </a:t>
+              <a:t>Lunar module, Saturn V, and Landing site models: NASA </a:t>
             </a:r>
             <a:r>
               <a:rPr lang="en-US" dirty="0" err="1">
                 <a:latin typeface="Verdana Regular" charset="0"/>
               </a:rPr>
-              <a:t>lum</a:t>
+              <a:t>Github</a:t>
+            </a:r>
+            <a:r>
+              <a:rPr lang="en-US" dirty="0">
+                <a:latin typeface="Verdana Regular" charset="0"/>
+              </a:rPr>
+              <a:t> *insert URL*</a:t>
+            </a:r>
+          </a:p>
+          <a:p>
+            <a:pPr>
+              <a:spcAft>
+                <a:spcPts val="2600"/>
+              </a:spcAft>
+            </a:pPr>
+            <a:r>
+              <a:rPr lang="en-US" dirty="0">
+                <a:latin typeface="Verdana Regular" charset="0"/>
+              </a:rPr>
+              <a:t>Audio files and Apollo 11 recordings: </a:t>
+            </a:r>
+            <a:r>
+              <a:rPr lang="en-US" dirty="0">
+                <a:latin typeface="Verdana Regular" charset="0"/>
+                <a:hlinkClick r:id="rId2"/>
+              </a:rPr>
+              <a:t>www.nasa.gov</a:t>
             </a:r>
             <a:endParaRPr lang="en-US" dirty="0">
               <a:latin typeface="Verdana Regular" charset="0"/>
             </a:endParaRPr>
+          </a:p>
+          <a:p>
+            <a:pPr>
+              <a:spcAft>
+                <a:spcPts val="2600"/>
+              </a:spcAft>
+            </a:pPr>
+            <a:r>
+              <a:rPr lang="en-US" dirty="0">
+                <a:latin typeface="Verdana Regular" charset="0"/>
+              </a:rPr>
+              <a:t>Other textures: *source any other textures we may use*</a:t>
+            </a:r>
           </a:p>
         </p:txBody>
       </p:sp>
@@ -3126,7 +3165,7 @@
                 <a:ea typeface="Verdana" charset="0"/>
                 <a:cs typeface="Verdana" charset="0"/>
               </a:rPr>
-              <a:t>Above the Moon, the command and service module, Columbia, separated from the lunar module, Eagle.</a:t>
+              <a:t>Passed the Moon, the command and service module, Columbia, separated from the lunar module, Eagle.</a:t>
             </a:r>
           </a:p>
           <a:p>
@@ -3162,7 +3201,7 @@
                 <a:ea typeface="Verdana" charset="0"/>
                 <a:cs typeface="Verdana" charset="0"/>
               </a:rPr>
-              <a:t>109 hours, 42 minutes after launch, Neil Armstrong took the first steps on the Moon, with Buzz aldrin following 20 minutes after.</a:t>
+              <a:t>109 hours, 42 minutes after launch, Neil Armstrong took the first steps on the Moon, with Buzz Aldrin following 20 minutes after.</a:t>
             </a:r>
           </a:p>
           <a:p>
@@ -3180,7 +3219,7 @@
                 <a:ea typeface="Verdana" charset="0"/>
                 <a:cs typeface="Verdana" charset="0"/>
               </a:rPr>
-              <a:t>During the Moon walk, the astronauts ventured up to 300 feet from the lunar lander during their 2 ½ hour Moon walk</a:t>
+              <a:t>During the Moon walk, the astronauts ventured up to 300 feet from the lunar lander during their 2 ½ hour walk</a:t>
             </a:r>
           </a:p>
           <a:p>
@@ -3786,7 +3825,7 @@
         <p:spPr>
           <a:xfrm>
             <a:off x="33966678" y="6422030"/>
-            <a:ext cx="8126412" cy="16970095"/>
+            <a:ext cx="8126412" cy="17247094"/>
           </a:xfrm>
           <a:prstGeom prst="rect">
             <a:avLst/>
@@ -3995,9 +4034,6 @@
           </a:p>
           <a:p>
             <a:pPr>
-              <a:lnSpc>
-                <a:spcPct val="100000"/>
-              </a:lnSpc>
               <a:spcAft>
                 <a:spcPts val="2600"/>
               </a:spcAft>
@@ -4303,7 +4339,7 @@
           </p:nvPr>
         </p:nvPicPr>
         <p:blipFill>
-          <a:blip r:embed="rId2">
+          <a:blip r:embed="rId3">
             <a:extLst>
               <a:ext uri="{28A0092B-C50C-407E-A947-70E740481C1C}">
                 <a14:useLocalDpi xmlns:a14="http://schemas.microsoft.com/office/drawing/2010/main" val="0"/>
@@ -4348,7 +4384,7 @@
           </p:nvPr>
         </p:nvPicPr>
         <p:blipFill>
-          <a:blip r:embed="rId3">
+          <a:blip r:embed="rId4">
             <a:extLst>
               <a:ext uri="{28A0092B-C50C-407E-A947-70E740481C1C}">
                 <a14:useLocalDpi xmlns:a14="http://schemas.microsoft.com/office/drawing/2010/main" val="0"/>
@@ -4391,7 +4427,7 @@
           <p:nvPr/>
         </p:nvPicPr>
         <p:blipFill>
-          <a:blip r:embed="rId4">
+          <a:blip r:embed="rId5">
             <a:extLst>
               <a:ext uri="{28A0092B-C50C-407E-A947-70E740481C1C}">
                 <a14:useLocalDpi xmlns:a14="http://schemas.microsoft.com/office/drawing/2010/main" val="0"/>

--- a/poster_undergrad_expo_48x36_eecs.pptx
+++ b/poster_undergrad_expo_48x36_eecs.pptx
@@ -2463,8 +2463,23 @@
                 </a:solidFill>
                 <a:latin typeface="Verdana Regular" charset="0"/>
               </a:rPr>
-              <a:t>Video Sources</a:t>
-            </a:r>
+              <a:t>The </a:t>
+            </a:r>
+            <a:r>
+              <a:rPr lang="en-US" dirty="0" err="1">
+                <a:solidFill>
+                  <a:srgbClr val="E05529"/>
+                </a:solidFill>
+                <a:latin typeface="Verdana Regular" charset="0"/>
+              </a:rPr>
+              <a:t>Apolloers</a:t>
+            </a:r>
+            <a:endParaRPr lang="en-US" dirty="0">
+              <a:solidFill>
+                <a:srgbClr val="E05529"/>
+              </a:solidFill>
+              <a:latin typeface="Verdana Regular" charset="0"/>
+            </a:endParaRPr>
           </a:p>
         </p:txBody>
       </p:sp>
@@ -2479,7 +2494,7 @@
         <p:spPr>
           <a:xfrm>
             <a:off x="22463903" y="24061092"/>
-            <a:ext cx="9418320" cy="3248390"/>
+            <a:ext cx="9084485" cy="4223016"/>
           </a:xfrm>
           <a:prstGeom prst="rect">
             <a:avLst/>
@@ -2659,6 +2674,9 @@
           </a:lstStyle>
           <a:p>
             <a:pPr>
+              <a:lnSpc>
+                <a:spcPct val="100000"/>
+              </a:lnSpc>
               <a:spcAft>
                 <a:spcPts val="2600"/>
               </a:spcAft>
@@ -2667,20 +2685,79 @@
               <a:rPr lang="en-US" dirty="0">
                 <a:latin typeface="Verdana Regular" charset="0"/>
               </a:rPr>
-              <a:t>Lunar module, Saturn V, and Landing site models: NASA </a:t>
-            </a:r>
-            <a:r>
-              <a:rPr lang="en-US" dirty="0" err="1">
-                <a:latin typeface="Verdana Regular" charset="0"/>
-              </a:rPr>
-              <a:t>Github</a:t>
-            </a:r>
+              <a:t>Dean Akin – akind@oregonstate.edu</a:t>
+            </a:r>
+          </a:p>
+          <a:p>
+            <a:pPr>
+              <a:lnSpc>
+                <a:spcPct val="100000"/>
+              </a:lnSpc>
+              <a:spcAft>
+                <a:spcPts val="2600"/>
+              </a:spcAft>
+            </a:pPr>
             <a:r>
               <a:rPr lang="en-US" dirty="0">
                 <a:latin typeface="Verdana Regular" charset="0"/>
               </a:rPr>
-              <a:t> *insert URL*</a:t>
-            </a:r>
+              <a:t>Jonathan Ropp – roppjo@oregonstate.edu</a:t>
+            </a:r>
+          </a:p>
+          <a:p>
+            <a:pPr>
+              <a:lnSpc>
+                <a:spcPct val="100000"/>
+              </a:lnSpc>
+              <a:spcAft>
+                <a:spcPts val="2600"/>
+              </a:spcAft>
+            </a:pPr>
+            <a:r>
+              <a:rPr lang="en-US" dirty="0">
+                <a:latin typeface="Verdana Regular" charset="0"/>
+              </a:rPr>
+              <a:t>Shannon Sandy – sandys@oregonstate.edu </a:t>
+            </a:r>
+          </a:p>
+          <a:p>
+            <a:pPr>
+              <a:lnSpc>
+                <a:spcPct val="100000"/>
+              </a:lnSpc>
+              <a:spcAft>
+                <a:spcPts val="2600"/>
+              </a:spcAft>
+            </a:pPr>
+            <a:r>
+              <a:rPr lang="en-US" dirty="0">
+                <a:latin typeface="Verdana Regular" charset="0"/>
+              </a:rPr>
+              <a:t>Mike Bailey – mjb@oregonstate.edu </a:t>
+            </a:r>
+          </a:p>
+          <a:p>
+            <a:pPr>
+              <a:lnSpc>
+                <a:spcPct val="100000"/>
+              </a:lnSpc>
+              <a:spcAft>
+                <a:spcPts val="2600"/>
+              </a:spcAft>
+            </a:pPr>
+            <a:r>
+              <a:rPr lang="en-US" dirty="0">
+                <a:latin typeface="Verdana Regular" charset="0"/>
+              </a:rPr>
+              <a:t>Jim Todd – </a:t>
+            </a:r>
+            <a:r>
+              <a:rPr lang="en-US" dirty="0"/>
+              <a:t>jtodd@omsi.edu</a:t>
+            </a:r>
+            <a:endParaRPr lang="en-US" dirty="0">
+              <a:latin typeface="Verdana Regular" charset="0"/>
+            </a:endParaRPr>
           </a:p>
           <a:p>
             <a:pPr>
@@ -2688,35 +2765,9 @@
                 <a:spcPts val="2600"/>
               </a:spcAft>
             </a:pPr>
-            <a:r>
-              <a:rPr lang="en-US" dirty="0">
-                <a:latin typeface="Verdana Regular" charset="0"/>
-              </a:rPr>
-              <a:t>Audio files and Apollo 11 recordings: </a:t>
-            </a:r>
-            <a:r>
-              <a:rPr lang="en-US" dirty="0">
-                <a:latin typeface="Verdana Regular" charset="0"/>
-                <a:hlinkClick r:id="rId2"/>
-              </a:rPr>
-              <a:t>www.nasa.gov</a:t>
-            </a:r>
             <a:endParaRPr lang="en-US" dirty="0">
               <a:latin typeface="Verdana Regular" charset="0"/>
             </a:endParaRPr>
-          </a:p>
-          <a:p>
-            <a:pPr>
-              <a:spcAft>
-                <a:spcPts val="2600"/>
-              </a:spcAft>
-            </a:pPr>
-            <a:r>
-              <a:rPr lang="en-US" dirty="0">
-                <a:latin typeface="Verdana Regular" charset="0"/>
-              </a:rPr>
-              <a:t>Other textures: *source any other textures we may use*</a:t>
-            </a:r>
           </a:p>
         </p:txBody>
       </p:sp>
@@ -2929,7 +2980,7 @@
         <p:spPr>
           <a:xfrm>
             <a:off x="1964266" y="6422030"/>
-            <a:ext cx="8126412" cy="15072139"/>
+            <a:ext cx="8126412" cy="13533257"/>
           </a:xfrm>
           <a:prstGeom prst="rect">
             <a:avLst/>
@@ -3275,39 +3326,6 @@
               </a:rPr>
               <a:t>195 hours, 18 minutes, and 35 seconds after the initial launch, Apollo 11 splashed into the Pacific Ocean</a:t>
             </a:r>
-          </a:p>
-          <a:p>
-            <a:pPr>
-              <a:spcAft>
-                <a:spcPts val="2600"/>
-              </a:spcAft>
-            </a:pPr>
-            <a:r>
-              <a:rPr lang="en-US" dirty="0">
-                <a:solidFill>
-                  <a:schemeClr val="bg1"/>
-                </a:solidFill>
-                <a:latin typeface="Verdana" charset="0"/>
-                <a:ea typeface="Verdana" charset="0"/>
-                <a:cs typeface="Verdana" charset="0"/>
-              </a:rPr>
-              <a:t>Source: www.nasa.gov</a:t>
-            </a:r>
-          </a:p>
-          <a:p>
-            <a:pPr>
-              <a:spcAft>
-                <a:spcPts val="2600"/>
-              </a:spcAft>
-            </a:pPr>
-            <a:endParaRPr lang="en-US" dirty="0">
-              <a:solidFill>
-                <a:schemeClr val="bg1"/>
-              </a:solidFill>
-              <a:latin typeface="Verdana" charset="0"/>
-              <a:ea typeface="Verdana" charset="0"/>
-              <a:cs typeface="Verdana" charset="0"/>
-            </a:endParaRPr>
           </a:p>
           <a:p>
             <a:pPr>
@@ -4339,7 +4357,7 @@
           </p:nvPr>
         </p:nvPicPr>
         <p:blipFill>
-          <a:blip r:embed="rId3">
+          <a:blip r:embed="rId2">
             <a:extLst>
               <a:ext uri="{28A0092B-C50C-407E-A947-70E740481C1C}">
                 <a14:useLocalDpi xmlns:a14="http://schemas.microsoft.com/office/drawing/2010/main" val="0"/>
@@ -4384,7 +4402,7 @@
           </p:nvPr>
         </p:nvPicPr>
         <p:blipFill>
-          <a:blip r:embed="rId4">
+          <a:blip r:embed="rId3">
             <a:extLst>
               <a:ext uri="{28A0092B-C50C-407E-A947-70E740481C1C}">
                 <a14:useLocalDpi xmlns:a14="http://schemas.microsoft.com/office/drawing/2010/main" val="0"/>
@@ -4427,7 +4445,7 @@
           <p:nvPr/>
         </p:nvPicPr>
         <p:blipFill>
-          <a:blip r:embed="rId5">
+          <a:blip r:embed="rId4">
             <a:extLst>
               <a:ext uri="{28A0092B-C50C-407E-A947-70E740481C1C}">
                 <a14:useLocalDpi xmlns:a14="http://schemas.microsoft.com/office/drawing/2010/main" val="0"/>
@@ -4576,6 +4594,301 @@
               </a:rPr>
               <a:t>Maybe our team posed like this</a:t>
             </a:r>
+          </a:p>
+        </p:txBody>
+      </p:sp>
+      <p:sp>
+        <p:nvSpPr>
+          <p:cNvPr id="19" name="Text Placeholder 16">
+            <a:extLst>
+              <a:ext uri="{FF2B5EF4-FFF2-40B4-BE49-F238E27FC236}">
+                <a16:creationId xmlns:a16="http://schemas.microsoft.com/office/drawing/2014/main" id="{B81AD830-FF56-44B5-AA99-4223CD84C5C5}"/>
+              </a:ext>
+            </a:extLst>
+          </p:cNvPr>
+          <p:cNvSpPr txBox="1">
+            <a:spLocks/>
+          </p:cNvSpPr>
+          <p:nvPr/>
+        </p:nvSpPr>
+        <p:spPr>
+          <a:xfrm>
+            <a:off x="22463903" y="28215771"/>
+            <a:ext cx="9418320" cy="677108"/>
+          </a:xfrm>
+          <a:prstGeom prst="rect">
+            <a:avLst/>
+          </a:prstGeom>
+        </p:spPr>
+        <p:txBody>
+          <a:bodyPr wrap="square" lIns="0" tIns="0" rIns="0" bIns="0">
+            <a:spAutoFit/>
+          </a:bodyPr>
+          <a:lstStyle>
+            <a:lvl1pPr marL="0" indent="0" algn="l" defTabSz="4389120" rtl="0" eaLnBrk="1" latinLnBrk="0" hangingPunct="1">
+              <a:lnSpc>
+                <a:spcPct val="90000"/>
+              </a:lnSpc>
+              <a:spcBef>
+                <a:spcPts val="4800"/>
+              </a:spcBef>
+              <a:buFontTx/>
+              <a:buNone/>
+              <a:defRPr sz="4800" kern="1200" cap="all" baseline="0">
+                <a:solidFill>
+                  <a:schemeClr val="tx1"/>
+                </a:solidFill>
+                <a:latin typeface="KievitPro-Medium" charset="0"/>
+                <a:ea typeface="+mn-ea"/>
+                <a:cs typeface="+mn-cs"/>
+              </a:defRPr>
+            </a:lvl1pPr>
+            <a:lvl2pPr marL="2194560" indent="0" algn="l" defTabSz="4389120" rtl="0" eaLnBrk="1" latinLnBrk="0" hangingPunct="1">
+              <a:lnSpc>
+                <a:spcPct val="90000"/>
+              </a:lnSpc>
+              <a:spcBef>
+                <a:spcPts val="2400"/>
+              </a:spcBef>
+              <a:buFontTx/>
+              <a:buNone/>
+              <a:defRPr sz="4800" kern="1200" cap="all" baseline="0">
+                <a:solidFill>
+                  <a:schemeClr val="tx1"/>
+                </a:solidFill>
+                <a:latin typeface="KievitPro-Medium" charset="0"/>
+                <a:ea typeface="+mn-ea"/>
+                <a:cs typeface="+mn-cs"/>
+              </a:defRPr>
+            </a:lvl2pPr>
+            <a:lvl3pPr marL="4389120" indent="0" algn="l" defTabSz="4389120" rtl="0" eaLnBrk="1" latinLnBrk="0" hangingPunct="1">
+              <a:lnSpc>
+                <a:spcPct val="90000"/>
+              </a:lnSpc>
+              <a:spcBef>
+                <a:spcPts val="2400"/>
+              </a:spcBef>
+              <a:buFontTx/>
+              <a:buNone/>
+              <a:defRPr sz="4800" kern="1200" cap="all" baseline="0">
+                <a:solidFill>
+                  <a:schemeClr val="tx1"/>
+                </a:solidFill>
+                <a:latin typeface="KievitPro-Medium" charset="0"/>
+                <a:ea typeface="+mn-ea"/>
+                <a:cs typeface="+mn-cs"/>
+              </a:defRPr>
+            </a:lvl3pPr>
+            <a:lvl4pPr marL="6583680" indent="0" algn="l" defTabSz="4389120" rtl="0" eaLnBrk="1" latinLnBrk="0" hangingPunct="1">
+              <a:lnSpc>
+                <a:spcPct val="90000"/>
+              </a:lnSpc>
+              <a:spcBef>
+                <a:spcPts val="2400"/>
+              </a:spcBef>
+              <a:buFontTx/>
+              <a:buNone/>
+              <a:defRPr sz="4800" kern="1200" cap="all" baseline="0">
+                <a:solidFill>
+                  <a:schemeClr val="tx1"/>
+                </a:solidFill>
+                <a:latin typeface="KievitPro-Medium" charset="0"/>
+                <a:ea typeface="+mn-ea"/>
+                <a:cs typeface="+mn-cs"/>
+              </a:defRPr>
+            </a:lvl4pPr>
+            <a:lvl5pPr marL="8778240" indent="0" algn="l" defTabSz="4389120" rtl="0" eaLnBrk="1" latinLnBrk="0" hangingPunct="1">
+              <a:lnSpc>
+                <a:spcPct val="90000"/>
+              </a:lnSpc>
+              <a:spcBef>
+                <a:spcPts val="2400"/>
+              </a:spcBef>
+              <a:buFontTx/>
+              <a:buNone/>
+              <a:defRPr sz="4800" kern="1200" cap="all" baseline="0">
+                <a:solidFill>
+                  <a:schemeClr val="tx1"/>
+                </a:solidFill>
+                <a:latin typeface="KievitPro-Medium" charset="0"/>
+                <a:ea typeface="+mn-ea"/>
+                <a:cs typeface="+mn-cs"/>
+              </a:defRPr>
+            </a:lvl5pPr>
+            <a:lvl6pPr marL="12070080" indent="-1097280" algn="l" defTabSz="4389120" rtl="0" eaLnBrk="1" latinLnBrk="0" hangingPunct="1">
+              <a:lnSpc>
+                <a:spcPct val="90000"/>
+              </a:lnSpc>
+              <a:spcBef>
+                <a:spcPts val="2400"/>
+              </a:spcBef>
+              <a:buFont typeface="Arial" panose="020B0604020202020204" pitchFamily="34" charset="0"/>
+              <a:buChar char="•"/>
+              <a:defRPr sz="8640" kern="1200">
+                <a:solidFill>
+                  <a:schemeClr val="tx1"/>
+                </a:solidFill>
+                <a:latin typeface="+mn-lt"/>
+                <a:ea typeface="+mn-ea"/>
+                <a:cs typeface="+mn-cs"/>
+              </a:defRPr>
+            </a:lvl6pPr>
+            <a:lvl7pPr marL="14264640" indent="-1097280" algn="l" defTabSz="4389120" rtl="0" eaLnBrk="1" latinLnBrk="0" hangingPunct="1">
+              <a:lnSpc>
+                <a:spcPct val="90000"/>
+              </a:lnSpc>
+              <a:spcBef>
+                <a:spcPts val="2400"/>
+              </a:spcBef>
+              <a:buFont typeface="Arial" panose="020B0604020202020204" pitchFamily="34" charset="0"/>
+              <a:buChar char="•"/>
+              <a:defRPr sz="8640" kern="1200">
+                <a:solidFill>
+                  <a:schemeClr val="tx1"/>
+                </a:solidFill>
+                <a:latin typeface="+mn-lt"/>
+                <a:ea typeface="+mn-ea"/>
+                <a:cs typeface="+mn-cs"/>
+              </a:defRPr>
+            </a:lvl7pPr>
+            <a:lvl8pPr marL="16459200" indent="-1097280" algn="l" defTabSz="4389120" rtl="0" eaLnBrk="1" latinLnBrk="0" hangingPunct="1">
+              <a:lnSpc>
+                <a:spcPct val="90000"/>
+              </a:lnSpc>
+              <a:spcBef>
+                <a:spcPts val="2400"/>
+              </a:spcBef>
+              <a:buFont typeface="Arial" panose="020B0604020202020204" pitchFamily="34" charset="0"/>
+              <a:buChar char="•"/>
+              <a:defRPr sz="8640" kern="1200">
+                <a:solidFill>
+                  <a:schemeClr val="tx1"/>
+                </a:solidFill>
+                <a:latin typeface="+mn-lt"/>
+                <a:ea typeface="+mn-ea"/>
+                <a:cs typeface="+mn-cs"/>
+              </a:defRPr>
+            </a:lvl8pPr>
+            <a:lvl9pPr marL="18653760" indent="-1097280" algn="l" defTabSz="4389120" rtl="0" eaLnBrk="1" latinLnBrk="0" hangingPunct="1">
+              <a:lnSpc>
+                <a:spcPct val="90000"/>
+              </a:lnSpc>
+              <a:spcBef>
+                <a:spcPts val="2400"/>
+              </a:spcBef>
+              <a:buFont typeface="Arial" panose="020B0604020202020204" pitchFamily="34" charset="0"/>
+              <a:buChar char="•"/>
+              <a:defRPr sz="8640" kern="1200">
+                <a:solidFill>
+                  <a:schemeClr val="tx1"/>
+                </a:solidFill>
+                <a:latin typeface="+mn-lt"/>
+                <a:ea typeface="+mn-ea"/>
+                <a:cs typeface="+mn-cs"/>
+              </a:defRPr>
+            </a:lvl9pPr>
+          </a:lstStyle>
+          <a:p>
+            <a:r>
+              <a:rPr lang="en-US" dirty="0">
+                <a:solidFill>
+                  <a:srgbClr val="E05529"/>
+                </a:solidFill>
+                <a:latin typeface="Verdana Regular" charset="0"/>
+              </a:rPr>
+              <a:t>Sources</a:t>
+            </a:r>
+          </a:p>
+        </p:txBody>
+      </p:sp>
+      <p:sp>
+        <p:nvSpPr>
+          <p:cNvPr id="17" name="TextBox 16">
+            <a:extLst>
+              <a:ext uri="{FF2B5EF4-FFF2-40B4-BE49-F238E27FC236}">
+                <a16:creationId xmlns:a16="http://schemas.microsoft.com/office/drawing/2014/main" id="{C4A097CA-38CD-4235-BA12-04D79D44F2F5}"/>
+              </a:ext>
+            </a:extLst>
+          </p:cNvPr>
+          <p:cNvSpPr txBox="1"/>
+          <p:nvPr/>
+        </p:nvSpPr>
+        <p:spPr>
+          <a:xfrm>
+            <a:off x="22463903" y="29153277"/>
+            <a:ext cx="9084485" cy="2236510"/>
+          </a:xfrm>
+          <a:prstGeom prst="rect">
+            <a:avLst/>
+          </a:prstGeom>
+          <a:noFill/>
+        </p:spPr>
+        <p:txBody>
+          <a:bodyPr wrap="square" rtlCol="0">
+            <a:spAutoFit/>
+          </a:bodyPr>
+          <a:lstStyle/>
+          <a:p>
+            <a:pPr>
+              <a:spcAft>
+                <a:spcPts val="2600"/>
+              </a:spcAft>
+            </a:pPr>
+            <a:r>
+              <a:rPr lang="en-US" sz="2400" dirty="0">
+                <a:latin typeface="Verdana Regular" charset="0"/>
+              </a:rPr>
+              <a:t>Lunar module, Saturn V, and Landing site models: NASA </a:t>
+            </a:r>
+            <a:r>
+              <a:rPr lang="en-US" sz="2400" dirty="0" err="1">
+                <a:latin typeface="Verdana Regular" charset="0"/>
+              </a:rPr>
+              <a:t>Github</a:t>
+            </a:r>
+            <a:r>
+              <a:rPr lang="en-US" sz="2400" dirty="0">
+                <a:latin typeface="Verdana Regular" charset="0"/>
+              </a:rPr>
+              <a:t> *insert URL*</a:t>
+            </a:r>
+          </a:p>
+          <a:p>
+            <a:pPr>
+              <a:spcAft>
+                <a:spcPts val="2600"/>
+              </a:spcAft>
+            </a:pPr>
+            <a:r>
+              <a:rPr lang="en-US" sz="2400" dirty="0">
+                <a:latin typeface="Verdana Regular" charset="0"/>
+              </a:rPr>
+              <a:t>Audio files and Apollo 11 recordings: </a:t>
+            </a:r>
+            <a:r>
+              <a:rPr lang="en-US" sz="2400" dirty="0">
+                <a:latin typeface="Verdana Regular" charset="0"/>
+                <a:hlinkClick r:id="rId5"/>
+              </a:rPr>
+              <a:t>www.nasa.gov</a:t>
+            </a:r>
+            <a:endParaRPr lang="en-US" sz="2400" dirty="0">
+              <a:latin typeface="Verdana Regular" charset="0"/>
+            </a:endParaRPr>
+          </a:p>
+          <a:p>
+            <a:pPr>
+              <a:spcAft>
+                <a:spcPts val="2600"/>
+              </a:spcAft>
+            </a:pPr>
+            <a:r>
+              <a:rPr lang="en-US" sz="2400" dirty="0">
+                <a:latin typeface="Verdana Regular" charset="0"/>
+              </a:rPr>
+              <a:t>Other textures: *source any other textures we may use*</a:t>
+            </a:r>
+            <a:endParaRPr lang="en-US" sz="2400" dirty="0"/>
           </a:p>
         </p:txBody>
       </p:sp>
